--- a/PowerPoint/AZ-305T00A-ENU-Powerpoint_10.pptx
+++ b/PowerPoint/AZ-305T00A-ENU-Powerpoint_10.pptx
@@ -5,10 +5,10 @@
     <p:sldMasterId id="2147484551" r:id="rId1"/>
   </p:sldMasterIdLst>
   <p:notesMasterIdLst>
-    <p:notesMasterId r:id="rId29"/>
+    <p:notesMasterId r:id="rId31"/>
   </p:notesMasterIdLst>
   <p:handoutMasterIdLst>
-    <p:handoutMasterId r:id="rId30"/>
+    <p:handoutMasterId r:id="rId32"/>
   </p:handoutMasterIdLst>
   <p:sldIdLst>
     <p:sldId id="1847" r:id="rId2"/>
@@ -25,19 +25,21 @@
     <p:sldId id="1830" r:id="rId13"/>
     <p:sldId id="2076138155" r:id="rId14"/>
     <p:sldId id="1834" r:id="rId15"/>
-    <p:sldId id="2076138163" r:id="rId16"/>
-    <p:sldId id="2076138156" r:id="rId17"/>
-    <p:sldId id="2076138149" r:id="rId18"/>
-    <p:sldId id="2076138150" r:id="rId19"/>
-    <p:sldId id="2076138157" r:id="rId20"/>
-    <p:sldId id="1851" r:id="rId21"/>
-    <p:sldId id="1852" r:id="rId22"/>
-    <p:sldId id="2076138162" r:id="rId23"/>
-    <p:sldId id="1848" r:id="rId24"/>
-    <p:sldId id="2585" r:id="rId25"/>
-    <p:sldId id="2076138148" r:id="rId26"/>
-    <p:sldId id="1891" r:id="rId27"/>
-    <p:sldId id="2258" r:id="rId28"/>
+    <p:sldId id="2076138164" r:id="rId16"/>
+    <p:sldId id="2076138163" r:id="rId17"/>
+    <p:sldId id="2076138165" r:id="rId18"/>
+    <p:sldId id="2076138156" r:id="rId19"/>
+    <p:sldId id="2076138149" r:id="rId20"/>
+    <p:sldId id="2076138150" r:id="rId21"/>
+    <p:sldId id="2076138157" r:id="rId22"/>
+    <p:sldId id="1851" r:id="rId23"/>
+    <p:sldId id="1852" r:id="rId24"/>
+    <p:sldId id="2076138162" r:id="rId25"/>
+    <p:sldId id="1848" r:id="rId26"/>
+    <p:sldId id="2585" r:id="rId27"/>
+    <p:sldId id="2076138148" r:id="rId28"/>
+    <p:sldId id="1891" r:id="rId29"/>
+    <p:sldId id="2258" r:id="rId30"/>
   </p:sldIdLst>
   <p:sldSz cx="12192000" cy="6858000"/>
   <p:notesSz cx="6858000" cy="9144000"/>
@@ -264,7 +266,7 @@
               <a:rPr lang="en-US" smtClean="0">
                 <a:latin typeface="Segoe UI" pitchFamily="34" charset="0"/>
               </a:rPr>
-              <a:t>5/10/2022 1:13 PM</a:t>
+              <a:t>6/26/2022 11:19 PM</a:t>
             </a:fld>
             <a:endParaRPr lang="en-US">
               <a:latin typeface="Segoe UI" pitchFamily="34" charset="0"/>
@@ -542,7 +544,7 @@
           <a:p>
             <a:fld id="{DCE60099-03E7-4FA1-8A7F-E6E6CFB0F855}" type="datetime8">
               <a:rPr lang="en-US" smtClean="0"/>
-              <a:t>5/10/2022 1:13 PM</a:t>
+              <a:t>6/26/2022 11:17 PM</a:t>
             </a:fld>
             <a:endParaRPr lang="en-US"/>
           </a:p>
@@ -1087,7 +1089,7 @@
             <a:fld id="{B4008EB6-D09E-4580-8CD6-DDB14511944F}" type="slidenum">
               <a:rPr lang="en-US" smtClean="0"/>
               <a:pPr/>
-              <a:t>15</a:t>
+              <a:t>16</a:t>
             </a:fld>
             <a:endParaRPr lang="en-US"/>
           </a:p>
@@ -1342,7 +1344,7 @@
             <a:fld id="{B4008EB6-D09E-4580-8CD6-DDB14511944F}" type="slidenum">
               <a:rPr lang="en-US" smtClean="0"/>
               <a:pPr/>
-              <a:t>17</a:t>
+              <a:t>19</a:t>
             </a:fld>
             <a:endParaRPr lang="en-US"/>
           </a:p>
@@ -1600,7 +1602,7 @@
             <a:fld id="{B4008EB6-D09E-4580-8CD6-DDB14511944F}" type="slidenum">
               <a:rPr lang="en-US" smtClean="0"/>
               <a:pPr/>
-              <a:t>18</a:t>
+              <a:t>20</a:t>
             </a:fld>
             <a:endParaRPr lang="en-US"/>
           </a:p>
@@ -1757,7 +1759,7 @@
             <a:fld id="{B4008EB6-D09E-4580-8CD6-DDB14511944F}" type="slidenum">
               <a:rPr lang="en-US" smtClean="0"/>
               <a:pPr/>
-              <a:t>20</a:t>
+              <a:t>22</a:t>
             </a:fld>
             <a:endParaRPr lang="en-US"/>
           </a:p>
@@ -1939,7 +1941,7 @@
             <a:fld id="{B4008EB6-D09E-4580-8CD6-DDB14511944F}" type="slidenum">
               <a:rPr lang="en-US" smtClean="0"/>
               <a:pPr/>
-              <a:t>21</a:t>
+              <a:t>23</a:t>
             </a:fld>
             <a:endParaRPr lang="en-US"/>
           </a:p>
@@ -2081,7 +2083,7 @@
             <a:fld id="{B4008EB6-D09E-4580-8CD6-DDB14511944F}" type="slidenum">
               <a:rPr lang="en-US" smtClean="0"/>
               <a:pPr/>
-              <a:t>23</a:t>
+              <a:t>25</a:t>
             </a:fld>
             <a:endParaRPr lang="en-US"/>
           </a:p>
@@ -2615,7 +2617,7 @@
             <a:fld id="{B4008EB6-D09E-4580-8CD6-DDB14511944F}" type="slidenum">
               <a:rPr lang="en-US" smtClean="0"/>
               <a:pPr/>
-              <a:t>24</a:t>
+              <a:t>26</a:t>
             </a:fld>
             <a:endParaRPr lang="en-US" dirty="0"/>
           </a:p>
@@ -2797,7 +2799,7 @@
                 <a:tabLst/>
                 <a:defRPr/>
               </a:pPr>
-              <a:t>25</a:t>
+              <a:t>27</a:t>
             </a:fld>
             <a:endParaRPr kumimoji="0" lang="en-US" sz="1200" b="0" i="0" u="none" strike="noStrike" kern="1200" cap="none" spc="0" normalizeH="0" baseline="0" noProof="0" dirty="0">
               <a:ln>
@@ -2974,7 +2976,7 @@
             <a:fld id="{B4008EB6-D09E-4580-8CD6-DDB14511944F}" type="slidenum">
               <a:rPr lang="en-US" smtClean="0"/>
               <a:pPr/>
-              <a:t>27</a:t>
+              <a:t>29</a:t>
             </a:fld>
             <a:endParaRPr lang="en-US"/>
           </a:p>
@@ -3614,7 +3616,7 @@
           <a:p>
             <a:fld id="{C9F26854-F9AE-4E32-B2A5-59EE421C280D}" type="datetime8">
               <a:rPr lang="en-US" smtClean="0"/>
-              <a:t>5/10/2022 1:13 PM</a:t>
+              <a:t>6/26/2022 11:17 PM</a:t>
             </a:fld>
             <a:endParaRPr lang="en-US"/>
           </a:p>
@@ -21906,6 +21908,188 @@
           <p:cNvPr id="2" name="Title 1">
             <a:extLst>
               <a:ext uri="{FF2B5EF4-FFF2-40B4-BE49-F238E27FC236}">
+                <a16:creationId xmlns:a16="http://schemas.microsoft.com/office/drawing/2014/main" id="{31C5E38E-7D0C-DC15-51F5-7A3F83CCAD6D}"/>
+              </a:ext>
+            </a:extLst>
+          </p:cNvPr>
+          <p:cNvSpPr>
+            <a:spLocks noGrp="1"/>
+          </p:cNvSpPr>
+          <p:nvPr>
+            <p:ph type="title"/>
+          </p:nvPr>
+        </p:nvSpPr>
+        <p:spPr/>
+        <p:txBody>
+          <a:bodyPr/>
+          <a:lstStyle/>
+          <a:p>
+            <a:r>
+              <a:rPr lang="en-HK" dirty="0"/>
+              <a:t>Tiers</a:t>
+            </a:r>
+          </a:p>
+        </p:txBody>
+      </p:sp>
+      <p:sp>
+        <p:nvSpPr>
+          <p:cNvPr id="5" name="TextBox 4">
+            <a:extLst>
+              <a:ext uri="{FF2B5EF4-FFF2-40B4-BE49-F238E27FC236}">
+                <a16:creationId xmlns:a16="http://schemas.microsoft.com/office/drawing/2014/main" id="{041710B4-2290-CDD0-3496-F936B003D1E4}"/>
+              </a:ext>
+            </a:extLst>
+          </p:cNvPr>
+          <p:cNvSpPr txBox="1"/>
+          <p:nvPr/>
+        </p:nvSpPr>
+        <p:spPr>
+          <a:xfrm>
+            <a:off x="418643" y="1182384"/>
+            <a:ext cx="10881703" cy="5016758"/>
+          </a:xfrm>
+          <a:prstGeom prst="rect">
+            <a:avLst/>
+          </a:prstGeom>
+          <a:noFill/>
+        </p:spPr>
+        <p:txBody>
+          <a:bodyPr wrap="square">
+            <a:spAutoFit/>
+          </a:bodyPr>
+          <a:lstStyle/>
+          <a:p>
+            <a:pPr algn="l" rtl="0" fontAlgn="base">
+              <a:buFont typeface="Arial" panose="020B0604020202020204" pitchFamily="34" charset="0"/>
+              <a:buChar char="•"/>
+            </a:pPr>
+            <a:r>
+              <a:rPr lang="en-HK" sz="3200" b="1" i="0" u="sng" dirty="0">
+                <a:solidFill>
+                  <a:srgbClr val="000000"/>
+                </a:solidFill>
+                <a:effectLst/>
+                <a:latin typeface="Calibri" panose="020F0502020204030204" pitchFamily="34" charset="0"/>
+              </a:rPr>
+              <a:t>Snapshot tier</a:t>
+            </a:r>
+            <a:r>
+              <a:rPr lang="en-HK" sz="3200" b="0" i="0" dirty="0">
+                <a:solidFill>
+                  <a:srgbClr val="000000"/>
+                </a:solidFill>
+                <a:effectLst/>
+                <a:latin typeface="Calibri" panose="020F0502020204030204" pitchFamily="34" charset="0"/>
+              </a:rPr>
+              <a:t>: In phase 1, snapshots are stored locally for a maximum period of five days. This is referred to as the snapshot tier. Snapshot tier restores are faster (than restore from vault) because they eliminate the wait time for snapshots to copy to the vault before triggering the restore. This capability is called Instant Restore.</a:t>
+            </a:r>
+            <a:r>
+              <a:rPr lang="en-US" sz="3200" b="0" i="0" dirty="0">
+                <a:solidFill>
+                  <a:srgbClr val="000000"/>
+                </a:solidFill>
+                <a:effectLst/>
+                <a:latin typeface="Calibri" panose="020F0502020204030204" pitchFamily="34" charset="0"/>
+              </a:rPr>
+              <a:t> </a:t>
+            </a:r>
+          </a:p>
+          <a:p>
+            <a:pPr algn="l" rtl="0" fontAlgn="base"/>
+            <a:r>
+              <a:rPr lang="en-US" sz="3200" b="0" i="0" dirty="0">
+                <a:solidFill>
+                  <a:srgbClr val="000000"/>
+                </a:solidFill>
+                <a:effectLst/>
+                <a:latin typeface="Calibri" panose="020F0502020204030204" pitchFamily="34" charset="0"/>
+              </a:rPr>
+              <a:t> </a:t>
+            </a:r>
+            <a:endParaRPr lang="en-US" sz="2800" b="0" i="0" dirty="0">
+              <a:solidFill>
+                <a:srgbClr val="000000"/>
+              </a:solidFill>
+              <a:effectLst/>
+              <a:latin typeface="Calibri" panose="020F0502020204030204" pitchFamily="34" charset="0"/>
+            </a:endParaRPr>
+          </a:p>
+          <a:p>
+            <a:pPr algn="l" rtl="0" fontAlgn="base">
+              <a:buFont typeface="Arial" panose="020B0604020202020204" pitchFamily="34" charset="0"/>
+              <a:buChar char="•"/>
+            </a:pPr>
+            <a:r>
+              <a:rPr lang="en-HK" sz="3200" b="1" i="0" u="sng" dirty="0">
+                <a:solidFill>
+                  <a:srgbClr val="000000"/>
+                </a:solidFill>
+                <a:effectLst/>
+                <a:latin typeface="Calibri" panose="020F0502020204030204" pitchFamily="34" charset="0"/>
+              </a:rPr>
+              <a:t>Vault tier</a:t>
+            </a:r>
+            <a:r>
+              <a:rPr lang="en-HK" sz="3200" b="0" i="0" dirty="0">
+                <a:solidFill>
+                  <a:srgbClr val="000000"/>
+                </a:solidFill>
+                <a:effectLst/>
+                <a:latin typeface="Calibri" panose="020F0502020204030204" pitchFamily="34" charset="0"/>
+              </a:rPr>
+              <a:t>: In phase 2, snapshots are transferred to the vault for additional security and longer retention. This is referred to as vault tier.</a:t>
+            </a:r>
+            <a:r>
+              <a:rPr lang="en-US" sz="3200" b="0" i="0" dirty="0">
+                <a:solidFill>
+                  <a:srgbClr val="000000"/>
+                </a:solidFill>
+                <a:effectLst/>
+                <a:latin typeface="Calibri" panose="020F0502020204030204" pitchFamily="34" charset="0"/>
+              </a:rPr>
+              <a:t> </a:t>
+            </a:r>
+          </a:p>
+        </p:txBody>
+      </p:sp>
+    </p:spTree>
+    <p:extLst>
+      <p:ext uri="{BB962C8B-B14F-4D97-AF65-F5344CB8AC3E}">
+        <p14:creationId xmlns:p14="http://schemas.microsoft.com/office/powerpoint/2010/main" val="233249798"/>
+      </p:ext>
+    </p:extLst>
+  </p:cSld>
+  <p:clrMapOvr>
+    <a:masterClrMapping/>
+  </p:clrMapOvr>
+  <p:transition>
+    <p:fade/>
+  </p:transition>
+</p:sld>
+</file>
+
+<file path=ppt/slides/slide16.xml><?xml version="1.0" encoding="utf-8"?>
+<p:sld xmlns:a="http://schemas.openxmlformats.org/drawingml/2006/main" xmlns:r="http://schemas.openxmlformats.org/officeDocument/2006/relationships" xmlns:p="http://schemas.openxmlformats.org/presentationml/2006/main">
+  <p:cSld>
+    <p:spTree>
+      <p:nvGrpSpPr>
+        <p:cNvPr id="1" name=""/>
+        <p:cNvGrpSpPr/>
+        <p:nvPr/>
+      </p:nvGrpSpPr>
+      <p:grpSpPr>
+        <a:xfrm>
+          <a:off x="0" y="0"/>
+          <a:ext cx="0" cy="0"/>
+          <a:chOff x="0" y="0"/>
+          <a:chExt cx="0" cy="0"/>
+        </a:xfrm>
+      </p:grpSpPr>
+      <p:sp>
+        <p:nvSpPr>
+          <p:cNvPr id="2" name="Title 1">
+            <a:extLst>
+              <a:ext uri="{FF2B5EF4-FFF2-40B4-BE49-F238E27FC236}">
                 <a16:creationId xmlns:a16="http://schemas.microsoft.com/office/drawing/2014/main" id="{5EB677B6-9CB1-4FF0-B202-63B1E35E7335}"/>
               </a:ext>
             </a:extLst>
@@ -22175,7 +22359,267 @@
 </p:sld>
 </file>
 
-<file path=ppt/slides/slide16.xml><?xml version="1.0" encoding="utf-8"?>
+<file path=ppt/slides/slide17.xml><?xml version="1.0" encoding="utf-8"?>
+<p:sld xmlns:a="http://schemas.openxmlformats.org/drawingml/2006/main" xmlns:r="http://schemas.openxmlformats.org/officeDocument/2006/relationships" xmlns:p="http://schemas.openxmlformats.org/presentationml/2006/main">
+  <p:cSld>
+    <p:spTree>
+      <p:nvGrpSpPr>
+        <p:cNvPr id="1" name=""/>
+        <p:cNvGrpSpPr/>
+        <p:nvPr/>
+      </p:nvGrpSpPr>
+      <p:grpSpPr>
+        <a:xfrm>
+          <a:off x="0" y="0"/>
+          <a:ext cx="0" cy="0"/>
+          <a:chOff x="0" y="0"/>
+          <a:chExt cx="0" cy="0"/>
+        </a:xfrm>
+      </p:grpSpPr>
+      <p:sp>
+        <p:nvSpPr>
+          <p:cNvPr id="2" name="Title 1">
+            <a:extLst>
+              <a:ext uri="{FF2B5EF4-FFF2-40B4-BE49-F238E27FC236}">
+                <a16:creationId xmlns:a16="http://schemas.microsoft.com/office/drawing/2014/main" id="{821CBB86-FD03-6B5C-A80B-1638CA13FDC7}"/>
+              </a:ext>
+            </a:extLst>
+          </p:cNvPr>
+          <p:cNvSpPr>
+            <a:spLocks noGrp="1"/>
+          </p:cNvSpPr>
+          <p:nvPr>
+            <p:ph type="title"/>
+          </p:nvPr>
+        </p:nvSpPr>
+        <p:spPr/>
+        <p:txBody>
+          <a:bodyPr/>
+          <a:lstStyle/>
+          <a:p>
+            <a:r>
+              <a:rPr lang="en-US" sz="3200" b="1" i="0" dirty="0">
+                <a:solidFill>
+                  <a:srgbClr val="000000"/>
+                </a:solidFill>
+                <a:effectLst/>
+                <a:latin typeface="Calibri" panose="020F0502020204030204" pitchFamily="34" charset="0"/>
+              </a:rPr>
+              <a:t>Lab: Back up Windows Server to Azure</a:t>
+            </a:r>
+            <a:r>
+              <a:rPr lang="en-US" sz="3200" b="0" i="0" dirty="0">
+                <a:solidFill>
+                  <a:srgbClr val="000000"/>
+                </a:solidFill>
+                <a:effectLst/>
+                <a:latin typeface="Calibri" panose="020F0502020204030204" pitchFamily="34" charset="0"/>
+              </a:rPr>
+              <a:t> </a:t>
+            </a:r>
+            <a:br>
+              <a:rPr lang="en-US" sz="2800" b="0" i="0" dirty="0">
+                <a:solidFill>
+                  <a:srgbClr val="000000"/>
+                </a:solidFill>
+                <a:effectLst/>
+                <a:latin typeface="Segoe UI" panose="020B0502040204020203" pitchFamily="34" charset="0"/>
+              </a:rPr>
+            </a:br>
+            <a:endParaRPr lang="en-HK" dirty="0"/>
+          </a:p>
+        </p:txBody>
+      </p:sp>
+      <p:sp>
+        <p:nvSpPr>
+          <p:cNvPr id="5" name="TextBox 4">
+            <a:extLst>
+              <a:ext uri="{FF2B5EF4-FFF2-40B4-BE49-F238E27FC236}">
+                <a16:creationId xmlns:a16="http://schemas.microsoft.com/office/drawing/2014/main" id="{69F2C9C7-0C19-B1DF-6991-74AC2EC98F3F}"/>
+              </a:ext>
+            </a:extLst>
+          </p:cNvPr>
+          <p:cNvSpPr txBox="1"/>
+          <p:nvPr/>
+        </p:nvSpPr>
+        <p:spPr>
+          <a:xfrm>
+            <a:off x="255895" y="1197619"/>
+            <a:ext cx="11504016" cy="4462760"/>
+          </a:xfrm>
+          <a:prstGeom prst="rect">
+            <a:avLst/>
+          </a:prstGeom>
+          <a:noFill/>
+        </p:spPr>
+        <p:txBody>
+          <a:bodyPr wrap="square">
+            <a:spAutoFit/>
+          </a:bodyPr>
+          <a:lstStyle/>
+          <a:p>
+            <a:pPr algn="l" rtl="0" fontAlgn="base"/>
+            <a:r>
+              <a:rPr lang="en-US" sz="3200" b="0" i="0" dirty="0">
+                <a:solidFill>
+                  <a:srgbClr val="000000"/>
+                </a:solidFill>
+                <a:effectLst/>
+                <a:latin typeface="Calibri" panose="020F0502020204030204" pitchFamily="34" charset="0"/>
+                <a:hlinkClick r:id="rId2"/>
+              </a:rPr>
+              <a:t>https://docs.microsoft.com/en-us/azure/backup/tutorial-backup-windows-server-to-azure</a:t>
+            </a:r>
+            <a:r>
+              <a:rPr lang="en-US" sz="3200" b="0" i="0" dirty="0">
+                <a:solidFill>
+                  <a:srgbClr val="000000"/>
+                </a:solidFill>
+                <a:effectLst/>
+                <a:latin typeface="Calibri" panose="020F0502020204030204" pitchFamily="34" charset="0"/>
+              </a:rPr>
+              <a:t>  </a:t>
+            </a:r>
+          </a:p>
+          <a:p>
+            <a:pPr algn="l" rtl="0" fontAlgn="base"/>
+            <a:endParaRPr lang="en-US" sz="2800" b="0" i="0" dirty="0">
+              <a:solidFill>
+                <a:srgbClr val="000000"/>
+              </a:solidFill>
+              <a:effectLst/>
+              <a:latin typeface="Segoe UI" panose="020B0502040204020203" pitchFamily="34" charset="0"/>
+            </a:endParaRPr>
+          </a:p>
+          <a:p>
+            <a:pPr algn="l" rtl="0" fontAlgn="base"/>
+            <a:r>
+              <a:rPr lang="en-US" sz="3200" b="1" i="0" u="sng" dirty="0">
+                <a:solidFill>
+                  <a:srgbClr val="000000"/>
+                </a:solidFill>
+                <a:effectLst/>
+                <a:latin typeface="Calibri" panose="020F0502020204030204" pitchFamily="34" charset="0"/>
+              </a:rPr>
+              <a:t>Asked in Exam</a:t>
+            </a:r>
+            <a:r>
+              <a:rPr lang="en-US" sz="3200" b="0" i="0" dirty="0">
+                <a:solidFill>
+                  <a:srgbClr val="000000"/>
+                </a:solidFill>
+                <a:effectLst/>
+                <a:latin typeface="Calibri" panose="020F0502020204030204" pitchFamily="34" charset="0"/>
+              </a:rPr>
+              <a:t> </a:t>
+            </a:r>
+            <a:endParaRPr lang="en-US" sz="2800" b="0" i="0" dirty="0">
+              <a:solidFill>
+                <a:srgbClr val="000000"/>
+              </a:solidFill>
+              <a:effectLst/>
+              <a:latin typeface="Segoe UI" panose="020B0502040204020203" pitchFamily="34" charset="0"/>
+            </a:endParaRPr>
+          </a:p>
+          <a:p>
+            <a:pPr algn="l" rtl="0" fontAlgn="base">
+              <a:buFont typeface="+mj-lt"/>
+              <a:buAutoNum type="arabicPeriod"/>
+            </a:pPr>
+            <a:r>
+              <a:rPr lang="en-US" sz="3200" b="0" i="0" dirty="0">
+                <a:solidFill>
+                  <a:srgbClr val="000000"/>
+                </a:solidFill>
+                <a:effectLst/>
+                <a:latin typeface="Calibri" panose="020F0502020204030204" pitchFamily="34" charset="0"/>
+              </a:rPr>
+              <a:t>Create a Recovery Services vault </a:t>
+            </a:r>
+          </a:p>
+          <a:p>
+            <a:pPr algn="l" rtl="0" fontAlgn="base">
+              <a:buFont typeface="+mj-lt"/>
+              <a:buAutoNum type="arabicPeriod"/>
+            </a:pPr>
+            <a:r>
+              <a:rPr lang="en-US" sz="3200" b="0" i="0" dirty="0">
+                <a:solidFill>
+                  <a:srgbClr val="000000"/>
+                </a:solidFill>
+                <a:effectLst/>
+                <a:latin typeface="Calibri" panose="020F0502020204030204" pitchFamily="34" charset="0"/>
+              </a:rPr>
+              <a:t>Download Recovery Services agent </a:t>
+            </a:r>
+          </a:p>
+          <a:p>
+            <a:pPr algn="l" rtl="0" fontAlgn="base">
+              <a:buFont typeface="+mj-lt"/>
+              <a:buAutoNum type="arabicPeriod"/>
+            </a:pPr>
+            <a:r>
+              <a:rPr lang="en-US" sz="3200" b="0" i="0" dirty="0">
+                <a:solidFill>
+                  <a:srgbClr val="000000"/>
+                </a:solidFill>
+                <a:effectLst/>
+                <a:latin typeface="Calibri" panose="020F0502020204030204" pitchFamily="34" charset="0"/>
+              </a:rPr>
+              <a:t>Install and register the agent </a:t>
+            </a:r>
+          </a:p>
+          <a:p>
+            <a:pPr algn="l" rtl="0" fontAlgn="base">
+              <a:buFont typeface="+mj-lt"/>
+              <a:buAutoNum type="arabicPeriod"/>
+            </a:pPr>
+            <a:r>
+              <a:rPr lang="en-US" sz="3200" b="0" i="0" dirty="0">
+                <a:solidFill>
+                  <a:srgbClr val="000000"/>
+                </a:solidFill>
+                <a:effectLst/>
+                <a:latin typeface="Calibri" panose="020F0502020204030204" pitchFamily="34" charset="0"/>
+              </a:rPr>
+              <a:t>Configure Backup and Retention </a:t>
+            </a:r>
+          </a:p>
+          <a:p>
+            <a:pPr algn="l" rtl="0" fontAlgn="base">
+              <a:buFont typeface="+mj-lt"/>
+              <a:buAutoNum type="arabicPeriod"/>
+            </a:pPr>
+            <a:r>
+              <a:rPr lang="en-US" sz="3200" b="0" i="0" dirty="0">
+                <a:solidFill>
+                  <a:srgbClr val="000000"/>
+                </a:solidFill>
+                <a:effectLst/>
+                <a:latin typeface="Calibri" panose="020F0502020204030204" pitchFamily="34" charset="0"/>
+              </a:rPr>
+              <a:t>Perform an on-demand backup </a:t>
+            </a:r>
+          </a:p>
+        </p:txBody>
+      </p:sp>
+    </p:spTree>
+    <p:extLst>
+      <p:ext uri="{BB962C8B-B14F-4D97-AF65-F5344CB8AC3E}">
+        <p14:creationId xmlns:p14="http://schemas.microsoft.com/office/powerpoint/2010/main" val="2901500044"/>
+      </p:ext>
+    </p:extLst>
+  </p:cSld>
+  <p:clrMapOvr>
+    <a:masterClrMapping/>
+  </p:clrMapOvr>
+  <p:transition>
+    <p:fade/>
+  </p:transition>
+</p:sld>
+</file>
+
+<file path=ppt/slides/slide18.xml><?xml version="1.0" encoding="utf-8"?>
 <p:sld xmlns:a="http://schemas.openxmlformats.org/drawingml/2006/main" xmlns:r="http://schemas.openxmlformats.org/officeDocument/2006/relationships" xmlns:p="http://schemas.openxmlformats.org/presentationml/2006/main">
   <p:cSld>
     <p:spTree>
@@ -22270,7 +22714,7 @@
 </p:sld>
 </file>
 
-<file path=ppt/slides/slide17.xml><?xml version="1.0" encoding="utf-8"?>
+<file path=ppt/slides/slide19.xml><?xml version="1.0" encoding="utf-8"?>
 <p:sld xmlns:a="http://schemas.openxmlformats.org/drawingml/2006/main" xmlns:r="http://schemas.openxmlformats.org/officeDocument/2006/relationships" xmlns:p="http://schemas.openxmlformats.org/presentationml/2006/main">
   <p:cSld>
     <p:spTree>
@@ -22542,604 +22986,6 @@
     <p:extLst>
       <p:ext uri="{BB962C8B-B14F-4D97-AF65-F5344CB8AC3E}">
         <p14:creationId xmlns:p14="http://schemas.microsoft.com/office/powerpoint/2010/main" val="1291668030"/>
-      </p:ext>
-    </p:extLst>
-  </p:cSld>
-  <p:clrMapOvr>
-    <a:masterClrMapping/>
-  </p:clrMapOvr>
-  <p:transition>
-    <p:fade/>
-  </p:transition>
-</p:sld>
-</file>
-
-<file path=ppt/slides/slide18.xml><?xml version="1.0" encoding="utf-8"?>
-<p:sld xmlns:a="http://schemas.openxmlformats.org/drawingml/2006/main" xmlns:r="http://schemas.openxmlformats.org/officeDocument/2006/relationships" xmlns:p="http://schemas.openxmlformats.org/presentationml/2006/main">
-  <p:cSld>
-    <p:spTree>
-      <p:nvGrpSpPr>
-        <p:cNvPr id="1" name=""/>
-        <p:cNvGrpSpPr/>
-        <p:nvPr/>
-      </p:nvGrpSpPr>
-      <p:grpSpPr>
-        <a:xfrm>
-          <a:off x="0" y="0"/>
-          <a:ext cx="0" cy="0"/>
-          <a:chOff x="0" y="0"/>
-          <a:chExt cx="0" cy="0"/>
-        </a:xfrm>
-      </p:grpSpPr>
-      <p:sp>
-        <p:nvSpPr>
-          <p:cNvPr id="2" name="Title 1">
-            <a:extLst>
-              <a:ext uri="{FF2B5EF4-FFF2-40B4-BE49-F238E27FC236}">
-                <a16:creationId xmlns:a16="http://schemas.microsoft.com/office/drawing/2014/main" id="{C29C424A-214B-497C-BC01-1CB9E9CB340A}"/>
-              </a:ext>
-            </a:extLst>
-          </p:cNvPr>
-          <p:cNvSpPr>
-            <a:spLocks noGrp="1"/>
-          </p:cNvSpPr>
-          <p:nvPr>
-            <p:ph type="title"/>
-          </p:nvPr>
-        </p:nvSpPr>
-        <p:spPr/>
-        <p:txBody>
-          <a:bodyPr/>
-          <a:lstStyle/>
-          <a:p>
-            <a:r>
-              <a:rPr lang="en-US" dirty="0"/>
-              <a:t>Considerations for Azure SQL backup</a:t>
-            </a:r>
-          </a:p>
-        </p:txBody>
-      </p:sp>
-      <p:sp>
-        <p:nvSpPr>
-          <p:cNvPr id="3" name="Text Placeholder 2">
-            <a:extLst>
-              <a:ext uri="{FF2B5EF4-FFF2-40B4-BE49-F238E27FC236}">
-                <a16:creationId xmlns:a16="http://schemas.microsoft.com/office/drawing/2014/main" id="{E639D48A-1C94-4FA2-8170-3020E184576F}"/>
-              </a:ext>
-            </a:extLst>
-          </p:cNvPr>
-          <p:cNvSpPr>
-            <a:spLocks noGrp="1"/>
-          </p:cNvSpPr>
-          <p:nvPr>
-            <p:ph type="body" sz="quarter" idx="10"/>
-          </p:nvPr>
-        </p:nvSpPr>
-        <p:spPr/>
-        <p:txBody>
-          <a:bodyPr/>
-          <a:lstStyle/>
-          <a:p>
-            <a:r>
-              <a:rPr lang="en-US" dirty="0"/>
-              <a:t>Restore in the retention period or use a long-term retention policy</a:t>
-            </a:r>
-          </a:p>
-        </p:txBody>
-      </p:sp>
-      <p:sp>
-        <p:nvSpPr>
-          <p:cNvPr id="5" name="TextBox 4">
-            <a:extLst>
-              <a:ext uri="{FF2B5EF4-FFF2-40B4-BE49-F238E27FC236}">
-                <a16:creationId xmlns:a16="http://schemas.microsoft.com/office/drawing/2014/main" id="{505EC9AC-7457-4FDC-A408-8C43715B1117}"/>
-              </a:ext>
-            </a:extLst>
-          </p:cNvPr>
-          <p:cNvSpPr txBox="1"/>
-          <p:nvPr/>
-        </p:nvSpPr>
-        <p:spPr>
-          <a:xfrm>
-            <a:off x="432088" y="1726174"/>
-            <a:ext cx="6057921" cy="3785652"/>
-          </a:xfrm>
-          <a:prstGeom prst="rect">
-            <a:avLst/>
-          </a:prstGeom>
-          <a:noFill/>
-        </p:spPr>
-        <p:txBody>
-          <a:bodyPr wrap="square">
-            <a:spAutoFit/>
-          </a:bodyPr>
-          <a:lstStyle/>
-          <a:p>
-            <a:pPr marL="342900" indent="-342900">
-              <a:spcAft>
-                <a:spcPts val="1200"/>
-              </a:spcAft>
-              <a:buFont typeface="Arial" panose="020B0604020202020204" pitchFamily="34" charset="0"/>
-              <a:buChar char="•"/>
-            </a:pPr>
-            <a:r>
-              <a:rPr lang="en-US" sz="2000" dirty="0"/>
-              <a:t>Restore an existing database to a point in time in the past within the retention period</a:t>
-            </a:r>
-          </a:p>
-          <a:p>
-            <a:pPr marL="342900" indent="-342900">
-              <a:spcAft>
-                <a:spcPts val="1200"/>
-              </a:spcAft>
-              <a:buFont typeface="Arial" panose="020B0604020202020204" pitchFamily="34" charset="0"/>
-              <a:buChar char="•"/>
-            </a:pPr>
-            <a:r>
-              <a:rPr lang="en-US" sz="2000" dirty="0"/>
-              <a:t>Restore a deleted database to the time of deletion or to any point in time within the retention period</a:t>
-            </a:r>
-          </a:p>
-          <a:p>
-            <a:pPr marL="342900" indent="-342900">
-              <a:spcAft>
-                <a:spcPts val="1200"/>
-              </a:spcAft>
-              <a:buFont typeface="Arial" panose="020B0604020202020204" pitchFamily="34" charset="0"/>
-              <a:buChar char="•"/>
-            </a:pPr>
-            <a:r>
-              <a:rPr lang="en-US" sz="2000" dirty="0"/>
-              <a:t>Restore a database to another geographic region</a:t>
-            </a:r>
-          </a:p>
-          <a:p>
-            <a:pPr marL="342900" indent="-342900">
-              <a:spcAft>
-                <a:spcPts val="1200"/>
-              </a:spcAft>
-              <a:buFont typeface="Arial" panose="020B0604020202020204" pitchFamily="34" charset="0"/>
-              <a:buChar char="•"/>
-            </a:pPr>
-            <a:r>
-              <a:rPr lang="en-US" sz="2000" dirty="0"/>
-              <a:t>Restore a database from a specific long-term backup of a single database or pooled database</a:t>
-            </a:r>
-          </a:p>
-          <a:p>
-            <a:pPr marL="342900" indent="-342900">
-              <a:spcAft>
-                <a:spcPts val="1200"/>
-              </a:spcAft>
-              <a:buFont typeface="Arial" panose="020B0604020202020204" pitchFamily="34" charset="0"/>
-              <a:buChar char="•"/>
-            </a:pPr>
-            <a:r>
-              <a:rPr lang="en-US" sz="2000" dirty="0"/>
-              <a:t>Long term retention uses read-access geo-redundant storage (RA-GRS)</a:t>
-            </a:r>
-          </a:p>
-        </p:txBody>
-      </p:sp>
-      <p:sp>
-        <p:nvSpPr>
-          <p:cNvPr id="6" name="Rectangle 5">
-            <a:extLst>
-              <a:ext uri="{FF2B5EF4-FFF2-40B4-BE49-F238E27FC236}">
-                <a16:creationId xmlns:a16="http://schemas.microsoft.com/office/drawing/2014/main" id="{5D76F200-A90D-48A6-8CBA-EEFFE6B646D4}"/>
-              </a:ext>
-            </a:extLst>
-          </p:cNvPr>
-          <p:cNvSpPr/>
-          <p:nvPr/>
-        </p:nvSpPr>
-        <p:spPr bwMode="auto">
-          <a:xfrm>
-            <a:off x="7437864" y="2755897"/>
-            <a:ext cx="1973766" cy="1159727"/>
-          </a:xfrm>
-          <a:prstGeom prst="rect">
-            <a:avLst/>
-          </a:prstGeom>
-          <a:solidFill>
-            <a:schemeClr val="accent1"/>
-          </a:solidFill>
-          <a:ln>
-            <a:noFill/>
-            <a:headEnd type="none" w="med" len="med"/>
-            <a:tailEnd type="none" w="med" len="med"/>
-          </a:ln>
-          <a:effectLst/>
-        </p:spPr>
-        <p:style>
-          <a:lnRef idx="1">
-            <a:schemeClr val="accent2"/>
-          </a:lnRef>
-          <a:fillRef idx="3">
-            <a:schemeClr val="accent2"/>
-          </a:fillRef>
-          <a:effectRef idx="2">
-            <a:schemeClr val="accent2"/>
-          </a:effectRef>
-          <a:fontRef idx="minor">
-            <a:schemeClr val="lt1"/>
-          </a:fontRef>
-        </p:style>
-        <p:txBody>
-          <a:bodyPr rot="0" spcFirstLastPara="0" vertOverflow="overflow" horzOverflow="overflow" vert="horz" wrap="square" lIns="182880" tIns="146304" rIns="182880" bIns="146304" numCol="1" spcCol="0" rtlCol="0" fromWordArt="0" anchor="ctr" anchorCtr="0" forceAA="0" compatLnSpc="1">
-            <a:prstTxWarp prst="textNoShape">
-              <a:avLst/>
-            </a:prstTxWarp>
-            <a:noAutofit/>
-          </a:bodyPr>
-          <a:lstStyle/>
-          <a:p>
-            <a:pPr algn="ctr" defTabSz="932472" fontAlgn="base">
-              <a:lnSpc>
-                <a:spcPct val="90000"/>
-              </a:lnSpc>
-              <a:spcBef>
-                <a:spcPct val="0"/>
-              </a:spcBef>
-              <a:spcAft>
-                <a:spcPct val="0"/>
-              </a:spcAft>
-            </a:pPr>
-            <a:r>
-              <a:rPr lang="en-US" sz="2400" dirty="0">
-                <a:gradFill>
-                  <a:gsLst>
-                    <a:gs pos="0">
-                      <a:srgbClr val="FFFFFF"/>
-                    </a:gs>
-                    <a:gs pos="100000">
-                      <a:srgbClr val="FFFFFF"/>
-                    </a:gs>
-                  </a:gsLst>
-                  <a:lin ang="5400000" scaled="0"/>
-                </a:gradFill>
-                <a:ea typeface="Segoe UI" pitchFamily="34" charset="0"/>
-                <a:cs typeface="Segoe UI" pitchFamily="34" charset="0"/>
-              </a:rPr>
-              <a:t>Retention period</a:t>
-            </a:r>
-          </a:p>
-        </p:txBody>
-      </p:sp>
-      <p:sp>
-        <p:nvSpPr>
-          <p:cNvPr id="8" name="Rectangle 7">
-            <a:extLst>
-              <a:ext uri="{FF2B5EF4-FFF2-40B4-BE49-F238E27FC236}">
-                <a16:creationId xmlns:a16="http://schemas.microsoft.com/office/drawing/2014/main" id="{090A2BD3-A6BA-40F4-810F-7B2CE9EE93A1}"/>
-              </a:ext>
-            </a:extLst>
-          </p:cNvPr>
-          <p:cNvSpPr/>
-          <p:nvPr/>
-        </p:nvSpPr>
-        <p:spPr bwMode="auto">
-          <a:xfrm>
-            <a:off x="9523142" y="2755897"/>
-            <a:ext cx="1973766" cy="1159727"/>
-          </a:xfrm>
-          <a:prstGeom prst="rect">
-            <a:avLst/>
-          </a:prstGeom>
-          <a:solidFill>
-            <a:schemeClr val="accent1"/>
-          </a:solidFill>
-          <a:ln>
-            <a:noFill/>
-            <a:headEnd type="none" w="med" len="med"/>
-            <a:tailEnd type="none" w="med" len="med"/>
-          </a:ln>
-          <a:effectLst/>
-        </p:spPr>
-        <p:style>
-          <a:lnRef idx="1">
-            <a:schemeClr val="accent2"/>
-          </a:lnRef>
-          <a:fillRef idx="3">
-            <a:schemeClr val="accent2"/>
-          </a:fillRef>
-          <a:effectRef idx="2">
-            <a:schemeClr val="accent2"/>
-          </a:effectRef>
-          <a:fontRef idx="minor">
-            <a:schemeClr val="lt1"/>
-          </a:fontRef>
-        </p:style>
-        <p:txBody>
-          <a:bodyPr rot="0" spcFirstLastPara="0" vertOverflow="overflow" horzOverflow="overflow" vert="horz" wrap="square" lIns="182880" tIns="146304" rIns="182880" bIns="146304" numCol="1" spcCol="0" rtlCol="0" fromWordArt="0" anchor="ctr" anchorCtr="0" forceAA="0" compatLnSpc="1">
-            <a:prstTxWarp prst="textNoShape">
-              <a:avLst/>
-            </a:prstTxWarp>
-            <a:noAutofit/>
-          </a:bodyPr>
-          <a:lstStyle/>
-          <a:p>
-            <a:pPr algn="ctr" defTabSz="932472" fontAlgn="base">
-              <a:lnSpc>
-                <a:spcPct val="90000"/>
-              </a:lnSpc>
-              <a:spcBef>
-                <a:spcPct val="0"/>
-              </a:spcBef>
-              <a:spcAft>
-                <a:spcPct val="0"/>
-              </a:spcAft>
-            </a:pPr>
-            <a:r>
-              <a:rPr lang="en-US" sz="2400" dirty="0">
-                <a:gradFill>
-                  <a:gsLst>
-                    <a:gs pos="0">
-                      <a:srgbClr val="FFFFFF"/>
-                    </a:gs>
-                    <a:gs pos="100000">
-                      <a:srgbClr val="FFFFFF"/>
-                    </a:gs>
-                  </a:gsLst>
-                  <a:lin ang="5400000" scaled="0"/>
-                </a:gradFill>
-                <a:ea typeface="Segoe UI" pitchFamily="34" charset="0"/>
-                <a:cs typeface="Segoe UI" pitchFamily="34" charset="0"/>
-              </a:rPr>
-              <a:t>Long term retention</a:t>
-            </a:r>
-          </a:p>
-        </p:txBody>
-      </p:sp>
-      <p:sp>
-        <p:nvSpPr>
-          <p:cNvPr id="10" name="TextBox 9">
-            <a:extLst>
-              <a:ext uri="{FF2B5EF4-FFF2-40B4-BE49-F238E27FC236}">
-                <a16:creationId xmlns:a16="http://schemas.microsoft.com/office/drawing/2014/main" id="{5AF971F9-335B-471A-ABF1-7DD5CA0B67CD}"/>
-              </a:ext>
-            </a:extLst>
-          </p:cNvPr>
-          <p:cNvSpPr txBox="1"/>
-          <p:nvPr/>
-        </p:nvSpPr>
-        <p:spPr>
-          <a:xfrm>
-            <a:off x="7953608" y="4027612"/>
-            <a:ext cx="1179241" cy="400110"/>
-          </a:xfrm>
-          <a:prstGeom prst="rect">
-            <a:avLst/>
-          </a:prstGeom>
-          <a:noFill/>
-        </p:spPr>
-        <p:txBody>
-          <a:bodyPr wrap="square">
-            <a:spAutoFit/>
-          </a:bodyPr>
-          <a:lstStyle/>
-          <a:p>
-            <a:r>
-              <a:rPr lang="en-US" sz="2000" dirty="0"/>
-              <a:t>35 days </a:t>
-            </a:r>
-          </a:p>
-        </p:txBody>
-      </p:sp>
-      <p:sp>
-        <p:nvSpPr>
-          <p:cNvPr id="12" name="TextBox 11">
-            <a:extLst>
-              <a:ext uri="{FF2B5EF4-FFF2-40B4-BE49-F238E27FC236}">
-                <a16:creationId xmlns:a16="http://schemas.microsoft.com/office/drawing/2014/main" id="{A292EE00-AB5B-4021-A80C-8411E48768FF}"/>
-              </a:ext>
-            </a:extLst>
-          </p:cNvPr>
-          <p:cNvSpPr txBox="1"/>
-          <p:nvPr/>
-        </p:nvSpPr>
-        <p:spPr>
-          <a:xfrm>
-            <a:off x="9564262" y="4027612"/>
-            <a:ext cx="1891525" cy="400110"/>
-          </a:xfrm>
-          <a:prstGeom prst="rect">
-            <a:avLst/>
-          </a:prstGeom>
-          <a:noFill/>
-        </p:spPr>
-        <p:txBody>
-          <a:bodyPr wrap="square">
-            <a:spAutoFit/>
-          </a:bodyPr>
-          <a:lstStyle/>
-          <a:p>
-            <a:r>
-              <a:rPr lang="en-US" sz="2000" dirty="0"/>
-              <a:t>Up to 10 years</a:t>
-            </a:r>
-          </a:p>
-        </p:txBody>
-      </p:sp>
-      <p:sp>
-        <p:nvSpPr>
-          <p:cNvPr id="16" name="Rectangle 15">
-            <a:extLst>
-              <a:ext uri="{FF2B5EF4-FFF2-40B4-BE49-F238E27FC236}">
-                <a16:creationId xmlns:a16="http://schemas.microsoft.com/office/drawing/2014/main" id="{086159D6-7224-44AD-8AFC-54AA1176054A}"/>
-              </a:ext>
-              <a:ext uri="{C183D7F6-B498-43B3-948B-1728B52AA6E4}">
-                <adec:decorative xmlns:adec="http://schemas.microsoft.com/office/drawing/2017/decorative" val="1"/>
-              </a:ext>
-            </a:extLst>
-          </p:cNvPr>
-          <p:cNvSpPr/>
-          <p:nvPr/>
-        </p:nvSpPr>
-        <p:spPr bwMode="auto">
-          <a:xfrm>
-            <a:off x="7058722" y="1726174"/>
-            <a:ext cx="4819914" cy="3785652"/>
-          </a:xfrm>
-          <a:prstGeom prst="rect">
-            <a:avLst/>
-          </a:prstGeom>
-          <a:noFill/>
-          <a:ln w="19050">
-            <a:solidFill>
-              <a:schemeClr val="bg1">
-                <a:lumMod val="95000"/>
-              </a:schemeClr>
-            </a:solidFill>
-            <a:headEnd type="none" w="med" len="med"/>
-            <a:tailEnd type="none" w="med" len="med"/>
-          </a:ln>
-          <a:effectLst/>
-        </p:spPr>
-        <p:style>
-          <a:lnRef idx="1">
-            <a:schemeClr val="accent2"/>
-          </a:lnRef>
-          <a:fillRef idx="3">
-            <a:schemeClr val="accent2"/>
-          </a:fillRef>
-          <a:effectRef idx="2">
-            <a:schemeClr val="accent2"/>
-          </a:effectRef>
-          <a:fontRef idx="minor">
-            <a:schemeClr val="lt1"/>
-          </a:fontRef>
-        </p:style>
-        <p:txBody>
-          <a:bodyPr rot="0" spcFirstLastPara="0" vertOverflow="overflow" horzOverflow="overflow" vert="horz" wrap="square" lIns="182880" tIns="146304" rIns="182880" bIns="146304" numCol="1" spcCol="0" rtlCol="0" fromWordArt="0" anchor="t" anchorCtr="0" forceAA="0" compatLnSpc="1">
-            <a:prstTxWarp prst="textNoShape">
-              <a:avLst/>
-            </a:prstTxWarp>
-            <a:noAutofit/>
-          </a:bodyPr>
-          <a:lstStyle/>
-          <a:p>
-            <a:pPr algn="ctr" defTabSz="932472" fontAlgn="base">
-              <a:lnSpc>
-                <a:spcPct val="90000"/>
-              </a:lnSpc>
-              <a:spcBef>
-                <a:spcPct val="0"/>
-              </a:spcBef>
-              <a:spcAft>
-                <a:spcPct val="0"/>
-              </a:spcAft>
-            </a:pPr>
-            <a:endParaRPr lang="en-US" sz="2400" dirty="0">
-              <a:gradFill>
-                <a:gsLst>
-                  <a:gs pos="0">
-                    <a:srgbClr val="FFFFFF"/>
-                  </a:gs>
-                  <a:gs pos="100000">
-                    <a:srgbClr val="FFFFFF"/>
-                  </a:gs>
-                </a:gsLst>
-                <a:lin ang="5400000" scaled="0"/>
-              </a:gradFill>
-              <a:cs typeface="Segoe UI" pitchFamily="34" charset="0"/>
-            </a:endParaRPr>
-          </a:p>
-        </p:txBody>
-      </p:sp>
-    </p:spTree>
-    <p:extLst>
-      <p:ext uri="{BB962C8B-B14F-4D97-AF65-F5344CB8AC3E}">
-        <p14:creationId xmlns:p14="http://schemas.microsoft.com/office/powerpoint/2010/main" val="3794689369"/>
-      </p:ext>
-    </p:extLst>
-  </p:cSld>
-  <p:clrMapOvr>
-    <a:masterClrMapping/>
-  </p:clrMapOvr>
-  <p:transition>
-    <p:fade/>
-  </p:transition>
-</p:sld>
-</file>
-
-<file path=ppt/slides/slide19.xml><?xml version="1.0" encoding="utf-8"?>
-<p:sld xmlns:a="http://schemas.openxmlformats.org/drawingml/2006/main" xmlns:r="http://schemas.openxmlformats.org/officeDocument/2006/relationships" xmlns:p="http://schemas.openxmlformats.org/presentationml/2006/main">
-  <p:cSld>
-    <p:spTree>
-      <p:nvGrpSpPr>
-        <p:cNvPr id="1" name=""/>
-        <p:cNvGrpSpPr/>
-        <p:nvPr/>
-      </p:nvGrpSpPr>
-      <p:grpSpPr>
-        <a:xfrm>
-          <a:off x="0" y="0"/>
-          <a:ext cx="0" cy="0"/>
-          <a:chOff x="0" y="0"/>
-          <a:chExt cx="0" cy="0"/>
-        </a:xfrm>
-      </p:grpSpPr>
-      <p:sp>
-        <p:nvSpPr>
-          <p:cNvPr id="4" name="Title 3">
-            <a:extLst>
-              <a:ext uri="{FF2B5EF4-FFF2-40B4-BE49-F238E27FC236}">
-                <a16:creationId xmlns:a16="http://schemas.microsoft.com/office/drawing/2014/main" id="{0E228D19-1041-415A-9807-808C685F7DA3}"/>
-              </a:ext>
-            </a:extLst>
-          </p:cNvPr>
-          <p:cNvSpPr>
-            <a:spLocks noGrp="1"/>
-          </p:cNvSpPr>
-          <p:nvPr>
-            <p:ph type="title"/>
-          </p:nvPr>
-        </p:nvSpPr>
-        <p:spPr/>
-        <p:txBody>
-          <a:bodyPr/>
-          <a:lstStyle/>
-          <a:p>
-            <a:r>
-              <a:rPr lang="en-US" dirty="0"/>
-              <a:t>Design for Azure Site Recovery</a:t>
-            </a:r>
-          </a:p>
-        </p:txBody>
-      </p:sp>
-      <p:pic>
-        <p:nvPicPr>
-          <p:cNvPr id="9" name="Picture Placeholder 8">
-            <a:extLst>
-              <a:ext uri="{FF2B5EF4-FFF2-40B4-BE49-F238E27FC236}">
-                <a16:creationId xmlns:a16="http://schemas.microsoft.com/office/drawing/2014/main" id="{B0BA7B2F-5D71-4A9E-A29B-60F8B7A8EA41}"/>
-              </a:ext>
-              <a:ext uri="{C183D7F6-B498-43B3-948B-1728B52AA6E4}">
-                <adec:decorative xmlns:adec="http://schemas.microsoft.com/office/drawing/2017/decorative" val="1"/>
-              </a:ext>
-            </a:extLst>
-          </p:cNvPr>
-          <p:cNvPicPr>
-            <a:picLocks noGrp="1" noChangeAspect="1"/>
-          </p:cNvPicPr>
-          <p:nvPr>
-            <p:ph type="pic" sz="quarter" idx="10"/>
-          </p:nvPr>
-        </p:nvPicPr>
-        <p:blipFill>
-          <a:blip r:embed="rId2"/>
-          <a:srcRect l="7904" r="7904"/>
-          <a:stretch>
-            <a:fillRect/>
-          </a:stretch>
-        </p:blipFill>
-        <p:spPr/>
-      </p:pic>
-    </p:spTree>
-    <p:extLst>
-      <p:ext uri="{BB962C8B-B14F-4D97-AF65-F5344CB8AC3E}">
-        <p14:creationId xmlns:p14="http://schemas.microsoft.com/office/powerpoint/2010/main" val="2649478625"/>
       </p:ext>
     </p:extLst>
   </p:cSld>
@@ -23409,6 +23255,706 @@
           <p:cNvPr id="2" name="Title 1">
             <a:extLst>
               <a:ext uri="{FF2B5EF4-FFF2-40B4-BE49-F238E27FC236}">
+                <a16:creationId xmlns:a16="http://schemas.microsoft.com/office/drawing/2014/main" id="{C29C424A-214B-497C-BC01-1CB9E9CB340A}"/>
+              </a:ext>
+            </a:extLst>
+          </p:cNvPr>
+          <p:cNvSpPr>
+            <a:spLocks noGrp="1"/>
+          </p:cNvSpPr>
+          <p:nvPr>
+            <p:ph type="title"/>
+          </p:nvPr>
+        </p:nvSpPr>
+        <p:spPr/>
+        <p:txBody>
+          <a:bodyPr/>
+          <a:lstStyle/>
+          <a:p>
+            <a:r>
+              <a:rPr lang="en-US" dirty="0"/>
+              <a:t>Considerations for Azure SQL backup</a:t>
+            </a:r>
+          </a:p>
+        </p:txBody>
+      </p:sp>
+      <p:sp>
+        <p:nvSpPr>
+          <p:cNvPr id="3" name="Text Placeholder 2">
+            <a:extLst>
+              <a:ext uri="{FF2B5EF4-FFF2-40B4-BE49-F238E27FC236}">
+                <a16:creationId xmlns:a16="http://schemas.microsoft.com/office/drawing/2014/main" id="{E639D48A-1C94-4FA2-8170-3020E184576F}"/>
+              </a:ext>
+            </a:extLst>
+          </p:cNvPr>
+          <p:cNvSpPr>
+            <a:spLocks noGrp="1"/>
+          </p:cNvSpPr>
+          <p:nvPr>
+            <p:ph type="body" sz="quarter" idx="10"/>
+          </p:nvPr>
+        </p:nvSpPr>
+        <p:spPr/>
+        <p:txBody>
+          <a:bodyPr/>
+          <a:lstStyle/>
+          <a:p>
+            <a:r>
+              <a:rPr lang="en-US" dirty="0"/>
+              <a:t>Restore in the retention period or use a long-term retention policy</a:t>
+            </a:r>
+          </a:p>
+        </p:txBody>
+      </p:sp>
+      <p:sp>
+        <p:nvSpPr>
+          <p:cNvPr id="5" name="TextBox 4">
+            <a:extLst>
+              <a:ext uri="{FF2B5EF4-FFF2-40B4-BE49-F238E27FC236}">
+                <a16:creationId xmlns:a16="http://schemas.microsoft.com/office/drawing/2014/main" id="{505EC9AC-7457-4FDC-A408-8C43715B1117}"/>
+              </a:ext>
+            </a:extLst>
+          </p:cNvPr>
+          <p:cNvSpPr txBox="1"/>
+          <p:nvPr/>
+        </p:nvSpPr>
+        <p:spPr>
+          <a:xfrm>
+            <a:off x="432088" y="1726174"/>
+            <a:ext cx="6057921" cy="5355312"/>
+          </a:xfrm>
+          <a:prstGeom prst="rect">
+            <a:avLst/>
+          </a:prstGeom>
+          <a:noFill/>
+        </p:spPr>
+        <p:txBody>
+          <a:bodyPr wrap="square">
+            <a:spAutoFit/>
+          </a:bodyPr>
+          <a:lstStyle/>
+          <a:p>
+            <a:pPr marL="342900" indent="-342900">
+              <a:spcAft>
+                <a:spcPts val="1200"/>
+              </a:spcAft>
+              <a:buFont typeface="Arial" panose="020B0604020202020204" pitchFamily="34" charset="0"/>
+              <a:buChar char="•"/>
+            </a:pPr>
+            <a:r>
+              <a:rPr lang="en-US" sz="2000" dirty="0"/>
+              <a:t>Restore an existing database to a point in time in the past within the retention period</a:t>
+            </a:r>
+          </a:p>
+          <a:p>
+            <a:pPr marL="342900" indent="-342900">
+              <a:spcAft>
+                <a:spcPts val="1200"/>
+              </a:spcAft>
+              <a:buFont typeface="Arial" panose="020B0604020202020204" pitchFamily="34" charset="0"/>
+              <a:buChar char="•"/>
+            </a:pPr>
+            <a:r>
+              <a:rPr lang="en-US" sz="2000" dirty="0"/>
+              <a:t>Restore a deleted database to the time of deletion or to any point in time within the retention period</a:t>
+            </a:r>
+          </a:p>
+          <a:p>
+            <a:pPr marL="342900" indent="-342900">
+              <a:spcAft>
+                <a:spcPts val="1200"/>
+              </a:spcAft>
+              <a:buFont typeface="Arial" panose="020B0604020202020204" pitchFamily="34" charset="0"/>
+              <a:buChar char="•"/>
+            </a:pPr>
+            <a:r>
+              <a:rPr lang="en-US" sz="2000" dirty="0"/>
+              <a:t>Restore a database to another geographic region</a:t>
+            </a:r>
+          </a:p>
+          <a:p>
+            <a:pPr marL="342900" indent="-342900">
+              <a:spcAft>
+                <a:spcPts val="1200"/>
+              </a:spcAft>
+              <a:buFont typeface="Arial" panose="020B0604020202020204" pitchFamily="34" charset="0"/>
+              <a:buChar char="•"/>
+            </a:pPr>
+            <a:r>
+              <a:rPr lang="en-US" sz="2000" dirty="0"/>
+              <a:t>Restore a database from a specific long-term backup of a single database or pooled database</a:t>
+            </a:r>
+          </a:p>
+          <a:p>
+            <a:pPr marL="342900" indent="-342900">
+              <a:spcAft>
+                <a:spcPts val="1200"/>
+              </a:spcAft>
+              <a:buFont typeface="Arial" panose="020B0604020202020204" pitchFamily="34" charset="0"/>
+              <a:buChar char="•"/>
+            </a:pPr>
+            <a:r>
+              <a:rPr lang="en-US" sz="2000" dirty="0"/>
+              <a:t>Long term retention uses read-access geo-redundant storage (RA-GRS)</a:t>
+            </a:r>
+          </a:p>
+          <a:p>
+            <a:pPr algn="l" rtl="0" fontAlgn="base"/>
+            <a:r>
+              <a:rPr lang="en-US" sz="1800" b="0" i="0" dirty="0">
+                <a:solidFill>
+                  <a:srgbClr val="000000"/>
+                </a:solidFill>
+                <a:effectLst/>
+                <a:highlight>
+                  <a:srgbClr val="FFFF00"/>
+                </a:highlight>
+                <a:latin typeface="Calibri" panose="020F0502020204030204" pitchFamily="34" charset="0"/>
+              </a:rPr>
+              <a:t>Beware Azure SQL and SQL MI. Azure SQL cannot restore deleted DB. </a:t>
+            </a:r>
+            <a:r>
+              <a:rPr lang="en-US" sz="1800" b="1" i="0" u="sng" dirty="0">
+                <a:solidFill>
+                  <a:srgbClr val="000000"/>
+                </a:solidFill>
+                <a:effectLst/>
+                <a:highlight>
+                  <a:srgbClr val="FFFF00"/>
+                </a:highlight>
+                <a:latin typeface="Calibri" panose="020F0502020204030204" pitchFamily="34" charset="0"/>
+              </a:rPr>
+              <a:t>(Must Read)</a:t>
+            </a:r>
+            <a:r>
+              <a:rPr lang="en-US" sz="1800" b="0" i="0" dirty="0">
+                <a:solidFill>
+                  <a:srgbClr val="000000"/>
+                </a:solidFill>
+                <a:effectLst/>
+                <a:highlight>
+                  <a:srgbClr val="FFFF00"/>
+                </a:highlight>
+                <a:latin typeface="Calibri" panose="020F0502020204030204" pitchFamily="34" charset="0"/>
+              </a:rPr>
+              <a:t> </a:t>
+            </a:r>
+            <a:endParaRPr lang="en-US" sz="2000" b="0" i="0" dirty="0">
+              <a:solidFill>
+                <a:srgbClr val="000000"/>
+              </a:solidFill>
+              <a:effectLst/>
+              <a:highlight>
+                <a:srgbClr val="FFFF00"/>
+              </a:highlight>
+              <a:latin typeface="Segoe UI" panose="020B0502040204020203" pitchFamily="34" charset="0"/>
+            </a:endParaRPr>
+          </a:p>
+          <a:p>
+            <a:pPr algn="l" rtl="0" fontAlgn="base"/>
+            <a:r>
+              <a:rPr lang="en-US" sz="1800" b="0" i="0" dirty="0">
+                <a:solidFill>
+                  <a:srgbClr val="000000"/>
+                </a:solidFill>
+                <a:effectLst/>
+                <a:highlight>
+                  <a:srgbClr val="FFFF00"/>
+                </a:highlight>
+                <a:latin typeface="Calibri" panose="020F0502020204030204" pitchFamily="34" charset="0"/>
+                <a:hlinkClick r:id="rId3"/>
+              </a:rPr>
+              <a:t>https://docs.microsoft.com/en-us/azure/azure-sql/database/recovery-using-backups?view=azuresql</a:t>
+            </a:r>
+            <a:r>
+              <a:rPr lang="en-US" sz="1800" b="0" i="0" dirty="0">
+                <a:solidFill>
+                  <a:srgbClr val="000000"/>
+                </a:solidFill>
+                <a:effectLst/>
+                <a:highlight>
+                  <a:srgbClr val="FFFF00"/>
+                </a:highlight>
+                <a:latin typeface="Calibri" panose="020F0502020204030204" pitchFamily="34" charset="0"/>
+              </a:rPr>
+              <a:t>  </a:t>
+            </a:r>
+            <a:endParaRPr lang="en-US" sz="2000" b="0" i="0" dirty="0">
+              <a:solidFill>
+                <a:srgbClr val="000000"/>
+              </a:solidFill>
+              <a:effectLst/>
+              <a:highlight>
+                <a:srgbClr val="FFFF00"/>
+              </a:highlight>
+              <a:latin typeface="Segoe UI" panose="020B0502040204020203" pitchFamily="34" charset="0"/>
+            </a:endParaRPr>
+          </a:p>
+          <a:p>
+            <a:pPr marL="342900" indent="-342900">
+              <a:spcAft>
+                <a:spcPts val="1200"/>
+              </a:spcAft>
+              <a:buFont typeface="Arial" panose="020B0604020202020204" pitchFamily="34" charset="0"/>
+              <a:buChar char="•"/>
+            </a:pPr>
+            <a:endParaRPr lang="en-US" sz="2000" dirty="0"/>
+          </a:p>
+        </p:txBody>
+      </p:sp>
+      <p:sp>
+        <p:nvSpPr>
+          <p:cNvPr id="6" name="Rectangle 5">
+            <a:extLst>
+              <a:ext uri="{FF2B5EF4-FFF2-40B4-BE49-F238E27FC236}">
+                <a16:creationId xmlns:a16="http://schemas.microsoft.com/office/drawing/2014/main" id="{5D76F200-A90D-48A6-8CBA-EEFFE6B646D4}"/>
+              </a:ext>
+            </a:extLst>
+          </p:cNvPr>
+          <p:cNvSpPr/>
+          <p:nvPr/>
+        </p:nvSpPr>
+        <p:spPr bwMode="auto">
+          <a:xfrm>
+            <a:off x="7437864" y="2755897"/>
+            <a:ext cx="1973766" cy="1159727"/>
+          </a:xfrm>
+          <a:prstGeom prst="rect">
+            <a:avLst/>
+          </a:prstGeom>
+          <a:solidFill>
+            <a:schemeClr val="accent1"/>
+          </a:solidFill>
+          <a:ln>
+            <a:noFill/>
+            <a:headEnd type="none" w="med" len="med"/>
+            <a:tailEnd type="none" w="med" len="med"/>
+          </a:ln>
+          <a:effectLst/>
+        </p:spPr>
+        <p:style>
+          <a:lnRef idx="1">
+            <a:schemeClr val="accent2"/>
+          </a:lnRef>
+          <a:fillRef idx="3">
+            <a:schemeClr val="accent2"/>
+          </a:fillRef>
+          <a:effectRef idx="2">
+            <a:schemeClr val="accent2"/>
+          </a:effectRef>
+          <a:fontRef idx="minor">
+            <a:schemeClr val="lt1"/>
+          </a:fontRef>
+        </p:style>
+        <p:txBody>
+          <a:bodyPr rot="0" spcFirstLastPara="0" vertOverflow="overflow" horzOverflow="overflow" vert="horz" wrap="square" lIns="182880" tIns="146304" rIns="182880" bIns="146304" numCol="1" spcCol="0" rtlCol="0" fromWordArt="0" anchor="ctr" anchorCtr="0" forceAA="0" compatLnSpc="1">
+            <a:prstTxWarp prst="textNoShape">
+              <a:avLst/>
+            </a:prstTxWarp>
+            <a:noAutofit/>
+          </a:bodyPr>
+          <a:lstStyle/>
+          <a:p>
+            <a:pPr algn="ctr" defTabSz="932472" fontAlgn="base">
+              <a:lnSpc>
+                <a:spcPct val="90000"/>
+              </a:lnSpc>
+              <a:spcBef>
+                <a:spcPct val="0"/>
+              </a:spcBef>
+              <a:spcAft>
+                <a:spcPct val="0"/>
+              </a:spcAft>
+            </a:pPr>
+            <a:r>
+              <a:rPr lang="en-US" sz="2400" dirty="0">
+                <a:gradFill>
+                  <a:gsLst>
+                    <a:gs pos="0">
+                      <a:srgbClr val="FFFFFF"/>
+                    </a:gs>
+                    <a:gs pos="100000">
+                      <a:srgbClr val="FFFFFF"/>
+                    </a:gs>
+                  </a:gsLst>
+                  <a:lin ang="5400000" scaled="0"/>
+                </a:gradFill>
+                <a:ea typeface="Segoe UI" pitchFamily="34" charset="0"/>
+                <a:cs typeface="Segoe UI" pitchFamily="34" charset="0"/>
+              </a:rPr>
+              <a:t>Retention period</a:t>
+            </a:r>
+          </a:p>
+        </p:txBody>
+      </p:sp>
+      <p:sp>
+        <p:nvSpPr>
+          <p:cNvPr id="8" name="Rectangle 7">
+            <a:extLst>
+              <a:ext uri="{FF2B5EF4-FFF2-40B4-BE49-F238E27FC236}">
+                <a16:creationId xmlns:a16="http://schemas.microsoft.com/office/drawing/2014/main" id="{090A2BD3-A6BA-40F4-810F-7B2CE9EE93A1}"/>
+              </a:ext>
+            </a:extLst>
+          </p:cNvPr>
+          <p:cNvSpPr/>
+          <p:nvPr/>
+        </p:nvSpPr>
+        <p:spPr bwMode="auto">
+          <a:xfrm>
+            <a:off x="9523142" y="2755897"/>
+            <a:ext cx="1973766" cy="1159727"/>
+          </a:xfrm>
+          <a:prstGeom prst="rect">
+            <a:avLst/>
+          </a:prstGeom>
+          <a:solidFill>
+            <a:schemeClr val="accent1"/>
+          </a:solidFill>
+          <a:ln>
+            <a:noFill/>
+            <a:headEnd type="none" w="med" len="med"/>
+            <a:tailEnd type="none" w="med" len="med"/>
+          </a:ln>
+          <a:effectLst/>
+        </p:spPr>
+        <p:style>
+          <a:lnRef idx="1">
+            <a:schemeClr val="accent2"/>
+          </a:lnRef>
+          <a:fillRef idx="3">
+            <a:schemeClr val="accent2"/>
+          </a:fillRef>
+          <a:effectRef idx="2">
+            <a:schemeClr val="accent2"/>
+          </a:effectRef>
+          <a:fontRef idx="minor">
+            <a:schemeClr val="lt1"/>
+          </a:fontRef>
+        </p:style>
+        <p:txBody>
+          <a:bodyPr rot="0" spcFirstLastPara="0" vertOverflow="overflow" horzOverflow="overflow" vert="horz" wrap="square" lIns="182880" tIns="146304" rIns="182880" bIns="146304" numCol="1" spcCol="0" rtlCol="0" fromWordArt="0" anchor="ctr" anchorCtr="0" forceAA="0" compatLnSpc="1">
+            <a:prstTxWarp prst="textNoShape">
+              <a:avLst/>
+            </a:prstTxWarp>
+            <a:noAutofit/>
+          </a:bodyPr>
+          <a:lstStyle/>
+          <a:p>
+            <a:pPr algn="ctr" defTabSz="932472" fontAlgn="base">
+              <a:lnSpc>
+                <a:spcPct val="90000"/>
+              </a:lnSpc>
+              <a:spcBef>
+                <a:spcPct val="0"/>
+              </a:spcBef>
+              <a:spcAft>
+                <a:spcPct val="0"/>
+              </a:spcAft>
+            </a:pPr>
+            <a:r>
+              <a:rPr lang="en-US" sz="2400" dirty="0">
+                <a:gradFill>
+                  <a:gsLst>
+                    <a:gs pos="0">
+                      <a:srgbClr val="FFFFFF"/>
+                    </a:gs>
+                    <a:gs pos="100000">
+                      <a:srgbClr val="FFFFFF"/>
+                    </a:gs>
+                  </a:gsLst>
+                  <a:lin ang="5400000" scaled="0"/>
+                </a:gradFill>
+                <a:ea typeface="Segoe UI" pitchFamily="34" charset="0"/>
+                <a:cs typeface="Segoe UI" pitchFamily="34" charset="0"/>
+              </a:rPr>
+              <a:t>Long term retention</a:t>
+            </a:r>
+          </a:p>
+        </p:txBody>
+      </p:sp>
+      <p:sp>
+        <p:nvSpPr>
+          <p:cNvPr id="10" name="TextBox 9">
+            <a:extLst>
+              <a:ext uri="{FF2B5EF4-FFF2-40B4-BE49-F238E27FC236}">
+                <a16:creationId xmlns:a16="http://schemas.microsoft.com/office/drawing/2014/main" id="{5AF971F9-335B-471A-ABF1-7DD5CA0B67CD}"/>
+              </a:ext>
+            </a:extLst>
+          </p:cNvPr>
+          <p:cNvSpPr txBox="1"/>
+          <p:nvPr/>
+        </p:nvSpPr>
+        <p:spPr>
+          <a:xfrm>
+            <a:off x="7953608" y="4027612"/>
+            <a:ext cx="1179241" cy="400110"/>
+          </a:xfrm>
+          <a:prstGeom prst="rect">
+            <a:avLst/>
+          </a:prstGeom>
+          <a:noFill/>
+        </p:spPr>
+        <p:txBody>
+          <a:bodyPr wrap="square">
+            <a:spAutoFit/>
+          </a:bodyPr>
+          <a:lstStyle/>
+          <a:p>
+            <a:r>
+              <a:rPr lang="en-US" sz="2000" dirty="0"/>
+              <a:t>35 days </a:t>
+            </a:r>
+          </a:p>
+        </p:txBody>
+      </p:sp>
+      <p:sp>
+        <p:nvSpPr>
+          <p:cNvPr id="12" name="TextBox 11">
+            <a:extLst>
+              <a:ext uri="{FF2B5EF4-FFF2-40B4-BE49-F238E27FC236}">
+                <a16:creationId xmlns:a16="http://schemas.microsoft.com/office/drawing/2014/main" id="{A292EE00-AB5B-4021-A80C-8411E48768FF}"/>
+              </a:ext>
+            </a:extLst>
+          </p:cNvPr>
+          <p:cNvSpPr txBox="1"/>
+          <p:nvPr/>
+        </p:nvSpPr>
+        <p:spPr>
+          <a:xfrm>
+            <a:off x="9564262" y="4027612"/>
+            <a:ext cx="1891525" cy="400110"/>
+          </a:xfrm>
+          <a:prstGeom prst="rect">
+            <a:avLst/>
+          </a:prstGeom>
+          <a:noFill/>
+        </p:spPr>
+        <p:txBody>
+          <a:bodyPr wrap="square">
+            <a:spAutoFit/>
+          </a:bodyPr>
+          <a:lstStyle/>
+          <a:p>
+            <a:r>
+              <a:rPr lang="en-US" sz="2000" dirty="0"/>
+              <a:t>Up to 10 years</a:t>
+            </a:r>
+          </a:p>
+        </p:txBody>
+      </p:sp>
+      <p:sp>
+        <p:nvSpPr>
+          <p:cNvPr id="16" name="Rectangle 15">
+            <a:extLst>
+              <a:ext uri="{FF2B5EF4-FFF2-40B4-BE49-F238E27FC236}">
+                <a16:creationId xmlns:a16="http://schemas.microsoft.com/office/drawing/2014/main" id="{086159D6-7224-44AD-8AFC-54AA1176054A}"/>
+              </a:ext>
+              <a:ext uri="{C183D7F6-B498-43B3-948B-1728B52AA6E4}">
+                <adec:decorative xmlns:adec="http://schemas.microsoft.com/office/drawing/2017/decorative" val="1"/>
+              </a:ext>
+            </a:extLst>
+          </p:cNvPr>
+          <p:cNvSpPr/>
+          <p:nvPr/>
+        </p:nvSpPr>
+        <p:spPr bwMode="auto">
+          <a:xfrm>
+            <a:off x="7058722" y="1726174"/>
+            <a:ext cx="4819914" cy="3785652"/>
+          </a:xfrm>
+          <a:prstGeom prst="rect">
+            <a:avLst/>
+          </a:prstGeom>
+          <a:noFill/>
+          <a:ln w="19050">
+            <a:solidFill>
+              <a:schemeClr val="bg1">
+                <a:lumMod val="95000"/>
+              </a:schemeClr>
+            </a:solidFill>
+            <a:headEnd type="none" w="med" len="med"/>
+            <a:tailEnd type="none" w="med" len="med"/>
+          </a:ln>
+          <a:effectLst/>
+        </p:spPr>
+        <p:style>
+          <a:lnRef idx="1">
+            <a:schemeClr val="accent2"/>
+          </a:lnRef>
+          <a:fillRef idx="3">
+            <a:schemeClr val="accent2"/>
+          </a:fillRef>
+          <a:effectRef idx="2">
+            <a:schemeClr val="accent2"/>
+          </a:effectRef>
+          <a:fontRef idx="minor">
+            <a:schemeClr val="lt1"/>
+          </a:fontRef>
+        </p:style>
+        <p:txBody>
+          <a:bodyPr rot="0" spcFirstLastPara="0" vertOverflow="overflow" horzOverflow="overflow" vert="horz" wrap="square" lIns="182880" tIns="146304" rIns="182880" bIns="146304" numCol="1" spcCol="0" rtlCol="0" fromWordArt="0" anchor="t" anchorCtr="0" forceAA="0" compatLnSpc="1">
+            <a:prstTxWarp prst="textNoShape">
+              <a:avLst/>
+            </a:prstTxWarp>
+            <a:noAutofit/>
+          </a:bodyPr>
+          <a:lstStyle/>
+          <a:p>
+            <a:pPr algn="ctr" defTabSz="932472" fontAlgn="base">
+              <a:lnSpc>
+                <a:spcPct val="90000"/>
+              </a:lnSpc>
+              <a:spcBef>
+                <a:spcPct val="0"/>
+              </a:spcBef>
+              <a:spcAft>
+                <a:spcPct val="0"/>
+              </a:spcAft>
+            </a:pPr>
+            <a:endParaRPr lang="en-US" sz="2400" dirty="0">
+              <a:gradFill>
+                <a:gsLst>
+                  <a:gs pos="0">
+                    <a:srgbClr val="FFFFFF"/>
+                  </a:gs>
+                  <a:gs pos="100000">
+                    <a:srgbClr val="FFFFFF"/>
+                  </a:gs>
+                </a:gsLst>
+                <a:lin ang="5400000" scaled="0"/>
+              </a:gradFill>
+              <a:cs typeface="Segoe UI" pitchFamily="34" charset="0"/>
+            </a:endParaRPr>
+          </a:p>
+        </p:txBody>
+      </p:sp>
+    </p:spTree>
+    <p:extLst>
+      <p:ext uri="{BB962C8B-B14F-4D97-AF65-F5344CB8AC3E}">
+        <p14:creationId xmlns:p14="http://schemas.microsoft.com/office/powerpoint/2010/main" val="3794689369"/>
+      </p:ext>
+    </p:extLst>
+  </p:cSld>
+  <p:clrMapOvr>
+    <a:masterClrMapping/>
+  </p:clrMapOvr>
+  <p:transition>
+    <p:fade/>
+  </p:transition>
+</p:sld>
+</file>
+
+<file path=ppt/slides/slide21.xml><?xml version="1.0" encoding="utf-8"?>
+<p:sld xmlns:a="http://schemas.openxmlformats.org/drawingml/2006/main" xmlns:r="http://schemas.openxmlformats.org/officeDocument/2006/relationships" xmlns:p="http://schemas.openxmlformats.org/presentationml/2006/main">
+  <p:cSld>
+    <p:spTree>
+      <p:nvGrpSpPr>
+        <p:cNvPr id="1" name=""/>
+        <p:cNvGrpSpPr/>
+        <p:nvPr/>
+      </p:nvGrpSpPr>
+      <p:grpSpPr>
+        <a:xfrm>
+          <a:off x="0" y="0"/>
+          <a:ext cx="0" cy="0"/>
+          <a:chOff x="0" y="0"/>
+          <a:chExt cx="0" cy="0"/>
+        </a:xfrm>
+      </p:grpSpPr>
+      <p:sp>
+        <p:nvSpPr>
+          <p:cNvPr id="4" name="Title 3">
+            <a:extLst>
+              <a:ext uri="{FF2B5EF4-FFF2-40B4-BE49-F238E27FC236}">
+                <a16:creationId xmlns:a16="http://schemas.microsoft.com/office/drawing/2014/main" id="{0E228D19-1041-415A-9807-808C685F7DA3}"/>
+              </a:ext>
+            </a:extLst>
+          </p:cNvPr>
+          <p:cNvSpPr>
+            <a:spLocks noGrp="1"/>
+          </p:cNvSpPr>
+          <p:nvPr>
+            <p:ph type="title"/>
+          </p:nvPr>
+        </p:nvSpPr>
+        <p:spPr/>
+        <p:txBody>
+          <a:bodyPr/>
+          <a:lstStyle/>
+          <a:p>
+            <a:r>
+              <a:rPr lang="en-US" dirty="0"/>
+              <a:t>Design for Azure Site Recovery</a:t>
+            </a:r>
+          </a:p>
+        </p:txBody>
+      </p:sp>
+      <p:pic>
+        <p:nvPicPr>
+          <p:cNvPr id="9" name="Picture Placeholder 8">
+            <a:extLst>
+              <a:ext uri="{FF2B5EF4-FFF2-40B4-BE49-F238E27FC236}">
+                <a16:creationId xmlns:a16="http://schemas.microsoft.com/office/drawing/2014/main" id="{B0BA7B2F-5D71-4A9E-A29B-60F8B7A8EA41}"/>
+              </a:ext>
+              <a:ext uri="{C183D7F6-B498-43B3-948B-1728B52AA6E4}">
+                <adec:decorative xmlns:adec="http://schemas.microsoft.com/office/drawing/2017/decorative" val="1"/>
+              </a:ext>
+            </a:extLst>
+          </p:cNvPr>
+          <p:cNvPicPr>
+            <a:picLocks noGrp="1" noChangeAspect="1"/>
+          </p:cNvPicPr>
+          <p:nvPr>
+            <p:ph type="pic" sz="quarter" idx="10"/>
+          </p:nvPr>
+        </p:nvPicPr>
+        <p:blipFill>
+          <a:blip r:embed="rId2"/>
+          <a:srcRect l="7904" r="7904"/>
+          <a:stretch>
+            <a:fillRect/>
+          </a:stretch>
+        </p:blipFill>
+        <p:spPr/>
+      </p:pic>
+    </p:spTree>
+    <p:extLst>
+      <p:ext uri="{BB962C8B-B14F-4D97-AF65-F5344CB8AC3E}">
+        <p14:creationId xmlns:p14="http://schemas.microsoft.com/office/powerpoint/2010/main" val="2649478625"/>
+      </p:ext>
+    </p:extLst>
+  </p:cSld>
+  <p:clrMapOvr>
+    <a:masterClrMapping/>
+  </p:clrMapOvr>
+  <p:transition>
+    <p:fade/>
+  </p:transition>
+</p:sld>
+</file>
+
+<file path=ppt/slides/slide22.xml><?xml version="1.0" encoding="utf-8"?>
+<p:sld xmlns:a="http://schemas.openxmlformats.org/drawingml/2006/main" xmlns:r="http://schemas.openxmlformats.org/officeDocument/2006/relationships" xmlns:p="http://schemas.openxmlformats.org/presentationml/2006/main">
+  <p:cSld>
+    <p:spTree>
+      <p:nvGrpSpPr>
+        <p:cNvPr id="1" name=""/>
+        <p:cNvGrpSpPr/>
+        <p:nvPr/>
+      </p:nvGrpSpPr>
+      <p:grpSpPr>
+        <a:xfrm>
+          <a:off x="0" y="0"/>
+          <a:ext cx="0" cy="0"/>
+          <a:chOff x="0" y="0"/>
+          <a:chExt cx="0" cy="0"/>
+        </a:xfrm>
+      </p:grpSpPr>
+      <p:sp>
+        <p:nvSpPr>
+          <p:cNvPr id="2" name="Title 1">
+            <a:extLst>
+              <a:ext uri="{FF2B5EF4-FFF2-40B4-BE49-F238E27FC236}">
                 <a16:creationId xmlns:a16="http://schemas.microsoft.com/office/drawing/2014/main" id="{D6C404DB-9A95-43C7-A66B-57D061F575FA}"/>
               </a:ext>
             </a:extLst>
@@ -23697,7 +24243,7 @@
 </p:sld>
 </file>
 
-<file path=ppt/slides/slide21.xml><?xml version="1.0" encoding="utf-8"?>
+<file path=ppt/slides/slide23.xml><?xml version="1.0" encoding="utf-8"?>
 <p:sld xmlns:a="http://schemas.openxmlformats.org/drawingml/2006/main" xmlns:r="http://schemas.openxmlformats.org/officeDocument/2006/relationships" xmlns:p="http://schemas.openxmlformats.org/presentationml/2006/main">
   <p:cSld>
     <p:spTree>
@@ -24844,7 +25390,7 @@
 </p:sld>
 </file>
 
-<file path=ppt/slides/slide22.xml><?xml version="1.0" encoding="utf-8"?>
+<file path=ppt/slides/slide24.xml><?xml version="1.0" encoding="utf-8"?>
 <p:sld xmlns:a="http://schemas.openxmlformats.org/drawingml/2006/main" xmlns:r="http://schemas.openxmlformats.org/officeDocument/2006/relationships" xmlns:p="http://schemas.openxmlformats.org/presentationml/2006/main">
   <p:cSld>
     <p:spTree>
@@ -24938,7 +25484,7 @@
 </p:sld>
 </file>
 
-<file path=ppt/slides/slide23.xml><?xml version="1.0" encoding="utf-8"?>
+<file path=ppt/slides/slide25.xml><?xml version="1.0" encoding="utf-8"?>
 <p:sld xmlns:a="http://schemas.openxmlformats.org/drawingml/2006/main" xmlns:r="http://schemas.openxmlformats.org/officeDocument/2006/relationships" xmlns:p="http://schemas.openxmlformats.org/presentationml/2006/main">
   <p:cSld>
     <p:spTree>
@@ -26408,7 +26954,7 @@
 </p:sld>
 </file>
 
-<file path=ppt/slides/slide24.xml><?xml version="1.0" encoding="utf-8"?>
+<file path=ppt/slides/slide26.xml><?xml version="1.0" encoding="utf-8"?>
 <p:sld xmlns:a="http://schemas.openxmlformats.org/drawingml/2006/main" xmlns:r="http://schemas.openxmlformats.org/officeDocument/2006/relationships" xmlns:p="http://schemas.openxmlformats.org/presentationml/2006/main">
   <p:cSld>
     <p:spTree>
@@ -27229,7 +27775,7 @@
 </p:sld>
 </file>
 
-<file path=ppt/slides/slide25.xml><?xml version="1.0" encoding="utf-8"?>
+<file path=ppt/slides/slide27.xml><?xml version="1.0" encoding="utf-8"?>
 <p:sld xmlns:a="http://schemas.openxmlformats.org/drawingml/2006/main" xmlns:r="http://schemas.openxmlformats.org/officeDocument/2006/relationships" xmlns:p="http://schemas.openxmlformats.org/presentationml/2006/main">
   <p:cSld>
     <p:spTree>
@@ -28249,7 +28795,7 @@
 </p:sld>
 </file>
 
-<file path=ppt/slides/slide26.xml><?xml version="1.0" encoding="utf-8"?>
+<file path=ppt/slides/slide28.xml><?xml version="1.0" encoding="utf-8"?>
 <p:sld xmlns:a="http://schemas.openxmlformats.org/drawingml/2006/main" xmlns:r="http://schemas.openxmlformats.org/officeDocument/2006/relationships" xmlns:p="http://schemas.openxmlformats.org/presentationml/2006/main">
   <p:cSld>
     <p:spTree>
@@ -28349,7 +28895,7 @@
 </p:sld>
 </file>
 
-<file path=ppt/slides/slide27.xml><?xml version="1.0" encoding="utf-8"?>
+<file path=ppt/slides/slide29.xml><?xml version="1.0" encoding="utf-8"?>
 <p:sld xmlns:a="http://schemas.openxmlformats.org/drawingml/2006/main" xmlns:r="http://schemas.openxmlformats.org/officeDocument/2006/relationships" xmlns:p="http://schemas.openxmlformats.org/presentationml/2006/main" show="0">
   <p:cSld>
     <p:spTree>
@@ -29094,7 +29640,7 @@
         <p:spPr>
           <a:xfrm>
             <a:off x="419100" y="1829060"/>
-            <a:ext cx="9068257" cy="2708434"/>
+            <a:ext cx="9068257" cy="3631763"/>
           </a:xfrm>
           <a:prstGeom prst="rect">
             <a:avLst/>
@@ -29148,7 +29694,41 @@
               <a:rPr lang="en-US" altLang="zh-CN" sz="2000" dirty="0">
                 <a:latin typeface="+mn-lt"/>
               </a:rPr>
-              <a:t>What are the availability metrics (MTTR and MTBF)?</a:t>
+              <a:t>What are the availability metrics </a:t>
+            </a:r>
+          </a:p>
+          <a:p>
+            <a:pPr marL="800083" lvl="1" indent="-342900">
+              <a:spcAft>
+                <a:spcPts val="1200"/>
+              </a:spcAft>
+              <a:buFont typeface="Arial" panose="020B0604020202020204" pitchFamily="34" charset="0"/>
+              <a:buChar char="•"/>
+            </a:pPr>
+            <a:r>
+              <a:rPr lang="en-US" altLang="zh-CN" sz="2000" dirty="0">
+                <a:latin typeface="+mn-lt"/>
+              </a:rPr>
+              <a:t>MTTR - </a:t>
+            </a:r>
+            <a:r>
+              <a:rPr lang="en-HK" sz="2000" dirty="0"/>
+              <a:t>Mean time to recovery</a:t>
+            </a:r>
+          </a:p>
+          <a:p>
+            <a:pPr marL="800083" lvl="1" indent="-342900">
+              <a:spcAft>
+                <a:spcPts val="1200"/>
+              </a:spcAft>
+              <a:buFont typeface="Arial" panose="020B0604020202020204" pitchFamily="34" charset="0"/>
+              <a:buChar char="•"/>
+            </a:pPr>
+            <a:r>
+              <a:rPr lang="en-US" altLang="zh-CN" sz="2000" dirty="0">
+                <a:latin typeface="+mn-lt"/>
+              </a:rPr>
+              <a:t>MTBF - Mean time between failures</a:t>
             </a:r>
           </a:p>
           <a:p>
